--- a/psets/pset06/03-4Pset06Midterm.pptx
+++ b/psets/pset06/03-4Pset06Midterm.pptx
@@ -434,7 +434,7 @@
           <a:p>
             <a:fld id="{A9ADF8C7-AEDF-43D6-9DAF-DECAC1AD2E30}" type="datetimeFigureOut">
               <a:rPr lang="ko-KR" altLang="en-US" smtClean="0"/>
-              <a:t>20-04-09</a:t>
+              <a:t>20-04-16</a:t>
             </a:fld>
             <a:endParaRPr lang="ko-KR" altLang="en-US"/>
           </a:p>
@@ -1461,7 +1461,7 @@
           </a:ln>
           <a:extLst>
             <a:ext uri="{C572A759-6A51-4108-AA02-DFA0A04FC94B}">
-              <ma14:wrappingTextBoxFlag xmlns="" xmlns:ma14="http://schemas.microsoft.com/office/mac/drawingml/2011/main" val="1"/>
+              <ma14:wrappingTextBoxFlag xmlns:ma14="http://schemas.microsoft.com/office/mac/drawingml/2011/main" xmlns="" val="1"/>
             </a:ext>
           </a:extLst>
         </p:spPr>
@@ -7749,7 +7749,23 @@
             </a:r>
             <a:r>
               <a:rPr lang="en-US" altLang="ko-KR" dirty="0" smtClean="0"/>
-              <a:t>.  Your writing may include screen captures, but they should </a:t>
+              <a:t>.  Your writing may include screen </a:t>
+            </a:r>
+            <a:r>
+              <a:rPr lang="en-US" altLang="ko-KR" dirty="0" smtClean="0"/>
+              <a:t>captures (</a:t>
+            </a:r>
+            <a:r>
+              <a:rPr lang="en-US" altLang="ko-KR" dirty="0" smtClean="0"/>
+              <a:t>including code)</a:t>
+            </a:r>
+            <a:r>
+              <a:rPr lang="en-US" altLang="ko-KR" dirty="0" smtClean="0"/>
+              <a:t>, </a:t>
+            </a:r>
+            <a:r>
+              <a:rPr lang="en-US" altLang="ko-KR" dirty="0" smtClean="0"/>
+              <a:t>but they should </a:t>
             </a:r>
             <a:r>
               <a:rPr lang="en-US" altLang="ko-KR" b="1" dirty="0" smtClean="0"/>
